--- a/logo.pptx
+++ b/logo.pptx
@@ -8,7 +8,10 @@
     <p:sldId id="256" r:id="rId2"/>
     <p:sldId id="257" r:id="rId3"/>
     <p:sldId id="258" r:id="rId4"/>
-    <p:sldId id="259" r:id="rId5"/>
+    <p:sldId id="260" r:id="rId5"/>
+    <p:sldId id="261" r:id="rId6"/>
+    <p:sldId id="262" r:id="rId7"/>
+    <p:sldId id="259" r:id="rId8"/>
   </p:sldIdLst>
   <p:sldSz cx="12192000" cy="6858000"/>
   <p:notesSz cx="6858000" cy="9144000"/>
@@ -3570,6 +3573,257 @@
         <p:cNvPr id="1" name="">
           <a:extLst>
             <a:ext uri="{FF2B5EF4-FFF2-40B4-BE49-F238E27FC236}">
+              <a16:creationId xmlns:a16="http://schemas.microsoft.com/office/drawing/2014/main" id="{D7CEBEBC-A05F-2973-37C5-679CCD863E3C}"/>
+            </a:ext>
+          </a:extLst>
+        </p:cNvPr>
+        <p:cNvGrpSpPr/>
+        <p:nvPr/>
+      </p:nvGrpSpPr>
+      <p:grpSpPr>
+        <a:xfrm>
+          <a:off x="0" y="0"/>
+          <a:ext cx="0" cy="0"/>
+          <a:chOff x="0" y="0"/>
+          <a:chExt cx="0" cy="0"/>
+        </a:xfrm>
+      </p:grpSpPr>
+      <p:sp>
+        <p:nvSpPr>
+          <p:cNvPr id="12" name="TextBox 11">
+            <a:extLst>
+              <a:ext uri="{FF2B5EF4-FFF2-40B4-BE49-F238E27FC236}">
+                <a16:creationId xmlns:a16="http://schemas.microsoft.com/office/drawing/2014/main" id="{B6195096-F86E-D833-7C0F-D043CD210E0C}"/>
+              </a:ext>
+            </a:extLst>
+          </p:cNvPr>
+          <p:cNvSpPr txBox="1"/>
+          <p:nvPr/>
+        </p:nvSpPr>
+        <p:spPr>
+          <a:xfrm>
+            <a:off x="3551583" y="450572"/>
+            <a:ext cx="6281530" cy="6447919"/>
+          </a:xfrm>
+          <a:prstGeom prst="rect">
+            <a:avLst/>
+          </a:prstGeom>
+          <a:noFill/>
+        </p:spPr>
+        <p:txBody>
+          <a:bodyPr wrap="square" rtlCol="0">
+            <a:spAutoFit/>
+          </a:bodyPr>
+          <a:lstStyle/>
+          <a:p>
+            <a:r>
+              <a:rPr lang="en-US" sz="41300" b="1">
+                <a:latin typeface="Hiragino Kaku Gothic Std W8" panose="020B0800000000000000" pitchFamily="34" charset="-128"/>
+                <a:ea typeface="Hiragino Kaku Gothic Std W8" panose="020B0800000000000000" pitchFamily="34" charset="-128"/>
+                <a:cs typeface="Arial" panose="020B0604020202020204" pitchFamily="34" charset="0"/>
+              </a:rPr>
+              <a:t>C</a:t>
+            </a:r>
+          </a:p>
+        </p:txBody>
+      </p:sp>
+      <p:sp>
+        <p:nvSpPr>
+          <p:cNvPr id="13" name="TextBox 12">
+            <a:extLst>
+              <a:ext uri="{FF2B5EF4-FFF2-40B4-BE49-F238E27FC236}">
+                <a16:creationId xmlns:a16="http://schemas.microsoft.com/office/drawing/2014/main" id="{CD70B75C-3899-F9D1-93D7-41A89846F28D}"/>
+              </a:ext>
+            </a:extLst>
+          </p:cNvPr>
+          <p:cNvSpPr txBox="1"/>
+          <p:nvPr/>
+        </p:nvSpPr>
+        <p:spPr>
+          <a:xfrm>
+            <a:off x="4412971" y="437320"/>
+            <a:ext cx="6758608" cy="6447919"/>
+          </a:xfrm>
+          <a:prstGeom prst="rect">
+            <a:avLst/>
+          </a:prstGeom>
+          <a:noFill/>
+          <a:ln>
+            <a:noFill/>
+          </a:ln>
+        </p:spPr>
+        <p:txBody>
+          <a:bodyPr wrap="square" rtlCol="0">
+            <a:spAutoFit/>
+            <a:scene3d>
+              <a:camera prst="perspectiveContrastingRightFacing" fov="5400000">
+                <a:rot lat="0" lon="18963666" rev="0"/>
+              </a:camera>
+              <a:lightRig rig="threePt" dir="t"/>
+            </a:scene3d>
+          </a:bodyPr>
+          <a:lstStyle/>
+          <a:p>
+            <a:r>
+              <a:rPr lang="en-US" sz="41300" b="1">
+                <a:ln w="38100">
+                  <a:solidFill>
+                    <a:schemeClr val="tx1"/>
+                  </a:solidFill>
+                </a:ln>
+                <a:solidFill>
+                  <a:srgbClr val="FFC83D"/>
+                </a:solidFill>
+                <a:latin typeface="Hiragino Kaku Gothic Std W8" panose="020B0800000000000000" pitchFamily="34" charset="-128"/>
+                <a:ea typeface="Hiragino Kaku Gothic Std W8" panose="020B0800000000000000" pitchFamily="34" charset="-128"/>
+                <a:cs typeface="Arial" panose="020B0604020202020204" pitchFamily="34" charset="0"/>
+              </a:rPr>
+              <a:t>C</a:t>
+            </a:r>
+          </a:p>
+        </p:txBody>
+      </p:sp>
+    </p:spTree>
+    <p:extLst>
+      <p:ext uri="{BB962C8B-B14F-4D97-AF65-F5344CB8AC3E}">
+        <p14:creationId xmlns:p14="http://schemas.microsoft.com/office/powerpoint/2010/main" val="696623662"/>
+      </p:ext>
+    </p:extLst>
+  </p:cSld>
+  <p:clrMapOvr>
+    <a:masterClrMapping/>
+  </p:clrMapOvr>
+</p:sld>
+</file>
+
+<file path=ppt/slides/slide5.xml><?xml version="1.0" encoding="utf-8"?>
+<p:sld xmlns:a="http://schemas.openxmlformats.org/drawingml/2006/main" xmlns:r="http://schemas.openxmlformats.org/officeDocument/2006/relationships" xmlns:p="http://schemas.openxmlformats.org/presentationml/2006/main">
+  <p:cSld>
+    <p:spTree>
+      <p:nvGrpSpPr>
+        <p:cNvPr id="1" name=""/>
+        <p:cNvGrpSpPr/>
+        <p:nvPr/>
+      </p:nvGrpSpPr>
+      <p:grpSpPr>
+        <a:xfrm>
+          <a:off x="0" y="0"/>
+          <a:ext cx="0" cy="0"/>
+          <a:chOff x="0" y="0"/>
+          <a:chExt cx="0" cy="0"/>
+        </a:xfrm>
+      </p:grpSpPr>
+      <p:pic>
+        <p:nvPicPr>
+          <p:cNvPr id="6" name="Picture 5">
+            <a:extLst>
+              <a:ext uri="{FF2B5EF4-FFF2-40B4-BE49-F238E27FC236}">
+                <a16:creationId xmlns:a16="http://schemas.microsoft.com/office/drawing/2014/main" id="{1686859A-D03E-AC24-6E74-D6F03DF9F787}"/>
+              </a:ext>
+            </a:extLst>
+          </p:cNvPr>
+          <p:cNvPicPr>
+            <a:picLocks noChangeAspect="1"/>
+          </p:cNvPicPr>
+          <p:nvPr/>
+        </p:nvPicPr>
+        <p:blipFill>
+          <a:blip r:embed="rId2"/>
+          <a:stretch>
+            <a:fillRect/>
+          </a:stretch>
+        </p:blipFill>
+        <p:spPr>
+          <a:xfrm>
+            <a:off x="1635565" y="-318054"/>
+            <a:ext cx="9376992" cy="8245073"/>
+          </a:xfrm>
+          <a:prstGeom prst="rect">
+            <a:avLst/>
+          </a:prstGeom>
+        </p:spPr>
+      </p:pic>
+    </p:spTree>
+    <p:extLst>
+      <p:ext uri="{BB962C8B-B14F-4D97-AF65-F5344CB8AC3E}">
+        <p14:creationId xmlns:p14="http://schemas.microsoft.com/office/powerpoint/2010/main" val="2189162815"/>
+      </p:ext>
+    </p:extLst>
+  </p:cSld>
+  <p:clrMapOvr>
+    <a:masterClrMapping/>
+  </p:clrMapOvr>
+</p:sld>
+</file>
+
+<file path=ppt/slides/slide6.xml><?xml version="1.0" encoding="utf-8"?>
+<p:sld xmlns:a="http://schemas.openxmlformats.org/drawingml/2006/main" xmlns:r="http://schemas.openxmlformats.org/officeDocument/2006/relationships" xmlns:p="http://schemas.openxmlformats.org/presentationml/2006/main">
+  <p:cSld>
+    <p:spTree>
+      <p:nvGrpSpPr>
+        <p:cNvPr id="1" name=""/>
+        <p:cNvGrpSpPr/>
+        <p:nvPr/>
+      </p:nvGrpSpPr>
+      <p:grpSpPr>
+        <a:xfrm>
+          <a:off x="0" y="0"/>
+          <a:ext cx="0" cy="0"/>
+          <a:chOff x="0" y="0"/>
+          <a:chExt cx="0" cy="0"/>
+        </a:xfrm>
+      </p:grpSpPr>
+      <p:pic>
+        <p:nvPicPr>
+          <p:cNvPr id="4" name="Picture 3">
+            <a:extLst>
+              <a:ext uri="{FF2B5EF4-FFF2-40B4-BE49-F238E27FC236}">
+                <a16:creationId xmlns:a16="http://schemas.microsoft.com/office/drawing/2014/main" id="{C46AE55D-8783-4044-E0AB-4194379A8128}"/>
+              </a:ext>
+            </a:extLst>
+          </p:cNvPr>
+          <p:cNvPicPr>
+            <a:picLocks noChangeAspect="1"/>
+          </p:cNvPicPr>
+          <p:nvPr/>
+        </p:nvPicPr>
+        <p:blipFill>
+          <a:blip r:embed="rId2"/>
+          <a:stretch>
+            <a:fillRect/>
+          </a:stretch>
+        </p:blipFill>
+        <p:spPr>
+          <a:xfrm>
+            <a:off x="2722243" y="850392"/>
+            <a:ext cx="6747514" cy="6007608"/>
+          </a:xfrm>
+          <a:prstGeom prst="rect">
+            <a:avLst/>
+          </a:prstGeom>
+        </p:spPr>
+      </p:pic>
+    </p:spTree>
+    <p:extLst>
+      <p:ext uri="{BB962C8B-B14F-4D97-AF65-F5344CB8AC3E}">
+        <p14:creationId xmlns:p14="http://schemas.microsoft.com/office/powerpoint/2010/main" val="3729704947"/>
+      </p:ext>
+    </p:extLst>
+  </p:cSld>
+  <p:clrMapOvr>
+    <a:masterClrMapping/>
+  </p:clrMapOvr>
+</p:sld>
+</file>
+
+<file path=ppt/slides/slide7.xml><?xml version="1.0" encoding="utf-8"?>
+<p:sld xmlns:a="http://schemas.openxmlformats.org/drawingml/2006/main" xmlns:r="http://schemas.openxmlformats.org/officeDocument/2006/relationships" xmlns:p="http://schemas.openxmlformats.org/presentationml/2006/main">
+  <p:cSld>
+    <p:spTree>
+      <p:nvGrpSpPr>
+        <p:cNvPr id="1" name="">
+          <a:extLst>
+            <a:ext uri="{FF2B5EF4-FFF2-40B4-BE49-F238E27FC236}">
               <a16:creationId xmlns:a16="http://schemas.microsoft.com/office/drawing/2014/main" id="{1A2BC26C-4F63-C645-B2BB-B06B24832FFF}"/>
             </a:ext>
           </a:extLst>
@@ -3598,10 +3852,15 @@
             <a:spLocks noGrp="1"/>
           </p:cNvSpPr>
           <p:nvPr>
-            <p:ph type="ctrTitle"/>
-          </p:nvPr>
-        </p:nvSpPr>
-        <p:spPr/>
+            <p:ph type="ctrTitle" idx="4294967295"/>
+          </p:nvPr>
+        </p:nvSpPr>
+        <p:spPr>
+          <a:xfrm>
+            <a:off x="0" y="1122363"/>
+            <a:ext cx="9144000" cy="2387600"/>
+          </a:xfrm>
+        </p:spPr>
         <p:txBody>
           <a:bodyPr>
             <a:normAutofit/>
